--- a/GSE_2_2011182010_김재훈.pptx
+++ b/GSE_2_2011182010_김재훈.pptx
@@ -1,6 +1,6 @@
 
 <file path=ppt/presentation.xml><?xml version="1.0" encoding="utf-8"?>
-<p:presentation xmlns:a="http://schemas.openxmlformats.org/drawingml/2006/main" xmlns:r="http://schemas.openxmlformats.org/officeDocument/2006/relationships" xmlns:p="http://schemas.openxmlformats.org/presentationml/2006/main" saveSubsetFonts="1">
+<p:presentation xmlns:a="http://schemas.openxmlformats.org/drawingml/2006/main" xmlns:r="http://schemas.openxmlformats.org/officeDocument/2006/relationships" xmlns:p="http://schemas.openxmlformats.org/presentationml/2006/main" embedTrueTypeFonts="1" saveSubsetFonts="1">
   <p:sldMasterIdLst>
     <p:sldMasterId id="2147483648" r:id="rId1"/>
   </p:sldMasterIdLst>
@@ -14,6 +14,25 @@
   </p:sldIdLst>
   <p:sldSz cx="9144000" cy="6858000" type="screen4x3"/>
   <p:notesSz cx="6858000" cy="9144000"/>
+  <p:embeddedFontLst>
+    <p:embeddedFont>
+      <p:font typeface="맑은 고딕" panose="020B0503020000020004" pitchFamily="50" charset="-127"/>
+      <p:regular r:id="rId6"/>
+      <p:bold r:id="rId7"/>
+    </p:embeddedFont>
+    <p:embeddedFont>
+      <p:font typeface="a산들바람" panose="02020600000000000000" pitchFamily="18" charset="-127"/>
+      <p:regular r:id="rId8"/>
+    </p:embeddedFont>
+    <p:embeddedFont>
+      <p:font typeface="a연애소설" panose="02020600000000000000" pitchFamily="18" charset="-127"/>
+      <p:regular r:id="rId9"/>
+    </p:embeddedFont>
+    <p:embeddedFont>
+      <p:font typeface="조선일보명조" panose="02030304000000000000" pitchFamily="18" charset="-127"/>
+      <p:regular r:id="rId10"/>
+    </p:embeddedFont>
+  </p:embeddedFontLst>
   <p:defaultTextStyle>
     <a:defPPr>
       <a:defRPr lang="ko-KR"/>
@@ -1158,6 +1177,14 @@
         </dgm:presLayoutVars>
       </dgm:prSet>
       <dgm:spPr/>
+      <dgm:t>
+        <a:bodyPr/>
+        <a:lstStyle/>
+        <a:p>
+          <a:pPr latinLnBrk="1"/>
+          <a:endParaRPr lang="ko-KR" altLang="en-US"/>
+        </a:p>
+      </dgm:t>
     </dgm:pt>
     <dgm:pt modelId="{E22BD499-88F4-4AF9-AD77-30E48BE3266E}" type="pres">
       <dgm:prSet presAssocID="{CE74118B-A738-413E-9D5B-337977903358}" presName="diamond" presStyleLbl="bgShp" presStyleIdx="0" presStyleCnt="1" custScaleX="150000" custLinFactNeighborX="4126" custLinFactNeighborY="3932"/>
